--- a/доки/DIPLOM_PROJECT2.pptx
+++ b/доки/DIPLOM_PROJECT2.pptx
@@ -849,7 +849,7 @@
           <a:p>
             <a:fld id="{4AAD347D-5ACD-4C99-B74B-A9C85AD731AF}" type="datetimeFigureOut">
               <a:rPr lang="en-US" smtClean="0"/>
-              <a:t>4/1/2023</a:t>
+              <a:t>5/6/2023</a:t>
             </a:fld>
             <a:endParaRPr lang="en-US" dirty="0"/>
           </a:p>
@@ -1100,7 +1100,7 @@
           <a:p>
             <a:fld id="{4AAD347D-5ACD-4C99-B74B-A9C85AD731AF}" type="datetimeFigureOut">
               <a:rPr lang="en-US" smtClean="0"/>
-              <a:t>4/1/2023</a:t>
+              <a:t>5/6/2023</a:t>
             </a:fld>
             <a:endParaRPr lang="en-US" dirty="0"/>
           </a:p>
@@ -1415,7 +1415,7 @@
           <a:p>
             <a:fld id="{4AAD347D-5ACD-4C99-B74B-A9C85AD731AF}" type="datetimeFigureOut">
               <a:rPr lang="en-US" smtClean="0"/>
-              <a:t>4/1/2023</a:t>
+              <a:t>5/6/2023</a:t>
             </a:fld>
             <a:endParaRPr lang="en-US" dirty="0"/>
           </a:p>
@@ -1743,7 +1743,7 @@
           <a:p>
             <a:fld id="{4509A250-FF31-4206-8172-F9D3106AACB1}" type="datetimeFigureOut">
               <a:rPr lang="en-US" smtClean="0"/>
-              <a:t>4/1/2023</a:t>
+              <a:t>5/6/2023</a:t>
             </a:fld>
             <a:endParaRPr lang="en-US" dirty="0"/>
           </a:p>
@@ -2057,7 +2057,7 @@
           <a:p>
             <a:fld id="{4AAD347D-5ACD-4C99-B74B-A9C85AD731AF}" type="datetimeFigureOut">
               <a:rPr lang="en-US" smtClean="0"/>
-              <a:t>4/1/2023</a:t>
+              <a:t>5/6/2023</a:t>
             </a:fld>
             <a:endParaRPr lang="en-US" dirty="0"/>
           </a:p>
@@ -2445,7 +2445,7 @@
           <a:p>
             <a:fld id="{4AAD347D-5ACD-4C99-B74B-A9C85AD731AF}" type="datetimeFigureOut">
               <a:rPr lang="en-US" smtClean="0"/>
-              <a:t>4/1/2023</a:t>
+              <a:t>5/6/2023</a:t>
             </a:fld>
             <a:endParaRPr lang="en-US" dirty="0"/>
           </a:p>
@@ -2616,7 +2616,7 @@
           <a:p>
             <a:fld id="{4509A250-FF31-4206-8172-F9D3106AACB1}" type="datetimeFigureOut">
               <a:rPr lang="en-US" smtClean="0"/>
-              <a:t>4/1/2023</a:t>
+              <a:t>5/6/2023</a:t>
             </a:fld>
             <a:endParaRPr lang="en-US" dirty="0"/>
           </a:p>
@@ -2796,7 +2796,7 @@
           <a:p>
             <a:fld id="{4509A250-FF31-4206-8172-F9D3106AACB1}" type="datetimeFigureOut">
               <a:rPr lang="en-US" smtClean="0"/>
-              <a:t>4/1/2023</a:t>
+              <a:t>5/6/2023</a:t>
             </a:fld>
             <a:endParaRPr lang="en-US" dirty="0"/>
           </a:p>
@@ -2972,7 +2972,7 @@
           <a:p>
             <a:fld id="{4509A250-FF31-4206-8172-F9D3106AACB1}" type="datetimeFigureOut">
               <a:rPr lang="en-US" smtClean="0"/>
-              <a:t>4/1/2023</a:t>
+              <a:t>5/6/2023</a:t>
             </a:fld>
             <a:endParaRPr lang="en-US" dirty="0"/>
           </a:p>
@@ -3219,7 +3219,7 @@
           <a:p>
             <a:fld id="{9796027F-7875-4030-9381-8BD8C4F21935}" type="datetimeFigureOut">
               <a:rPr lang="en-US" smtClean="0"/>
-              <a:t>4/1/2023</a:t>
+              <a:t>5/6/2023</a:t>
             </a:fld>
             <a:endParaRPr lang="en-US" dirty="0"/>
           </a:p>
@@ -3451,7 +3451,7 @@
           <a:p>
             <a:fld id="{9796027F-7875-4030-9381-8BD8C4F21935}" type="datetimeFigureOut">
               <a:rPr lang="en-US" smtClean="0"/>
-              <a:t>4/1/2023</a:t>
+              <a:t>5/6/2023</a:t>
             </a:fld>
             <a:endParaRPr lang="en-US" dirty="0"/>
           </a:p>
@@ -3825,7 +3825,7 @@
           <a:p>
             <a:fld id="{9796027F-7875-4030-9381-8BD8C4F21935}" type="datetimeFigureOut">
               <a:rPr lang="en-US" smtClean="0"/>
-              <a:t>4/1/2023</a:t>
+              <a:t>5/6/2023</a:t>
             </a:fld>
             <a:endParaRPr lang="en-US" dirty="0"/>
           </a:p>
@@ -3948,7 +3948,7 @@
           <a:p>
             <a:fld id="{4509A250-FF31-4206-8172-F9D3106AACB1}" type="datetimeFigureOut">
               <a:rPr lang="en-US" smtClean="0"/>
-              <a:t>4/1/2023</a:t>
+              <a:t>5/6/2023</a:t>
             </a:fld>
             <a:endParaRPr lang="en-US" dirty="0"/>
           </a:p>
@@ -4043,7 +4043,7 @@
           <a:p>
             <a:fld id="{4509A250-FF31-4206-8172-F9D3106AACB1}" type="datetimeFigureOut">
               <a:rPr lang="en-US" smtClean="0"/>
-              <a:t>4/1/2023</a:t>
+              <a:t>5/6/2023</a:t>
             </a:fld>
             <a:endParaRPr lang="en-US" dirty="0"/>
           </a:p>
@@ -4298,7 +4298,7 @@
           <a:p>
             <a:fld id="{4509A250-FF31-4206-8172-F9D3106AACB1}" type="datetimeFigureOut">
               <a:rPr lang="en-US" smtClean="0"/>
-              <a:t>4/1/2023</a:t>
+              <a:t>5/6/2023</a:t>
             </a:fld>
             <a:endParaRPr lang="en-US" dirty="0"/>
           </a:p>
@@ -4561,7 +4561,7 @@
           <a:p>
             <a:fld id="{4509A250-FF31-4206-8172-F9D3106AACB1}" type="datetimeFigureOut">
               <a:rPr lang="en-US" smtClean="0"/>
-              <a:t>4/1/2023</a:t>
+              <a:t>5/6/2023</a:t>
             </a:fld>
             <a:endParaRPr lang="en-US" dirty="0"/>
           </a:p>
@@ -5306,7 +5306,7 @@
           <a:p>
             <a:fld id="{4AAD347D-5ACD-4C99-B74B-A9C85AD731AF}" type="datetimeFigureOut">
               <a:rPr lang="en-US" smtClean="0"/>
-              <a:t>4/1/2023</a:t>
+              <a:t>5/6/2023</a:t>
             </a:fld>
             <a:endParaRPr lang="en-US" dirty="0"/>
           </a:p>
@@ -5899,12 +5899,16 @@
               <a:t>DIPLOM PROJECT</a:t>
             </a:r>
             <a:r>
-              <a:rPr lang="ru-RU" dirty="0"/>
+              <a:rPr lang="ru-RU"/>
               <a:t> </a:t>
             </a:r>
             <a:r>
+              <a:rPr lang="en-US"/>
+              <a:t>IT </a:t>
+            </a:r>
+            <a:r>
               <a:rPr lang="en-US" dirty="0"/>
-              <a:t>of Python 23 IT Step University</a:t>
+              <a:t>Step University</a:t>
             </a:r>
             <a:r>
               <a:rPr lang="ru-RU" dirty="0"/>
@@ -6086,7 +6090,7 @@
           <a:p>
             <a:r>
               <a:rPr lang="ru-RU" dirty="0"/>
-              <a:t>       Раздел Телеграм-бот является одной из ключевых частей нашего проекта. Это инновационное решение, позволяющее пользователям получать помощь и консультации через мессенджер Telegram.</a:t>
+              <a:t>       Раздел Телеграм-бот будет одной из ключевых частей нашего проекта. Это инновационное решение, позволяющее пользователям получать помощь и консультации через мессенджер Telegram.</a:t>
             </a:r>
           </a:p>
           <a:p>
@@ -6100,7 +6104,7 @@
             </a:r>
             <a:r>
               <a:rPr lang="ru-RU" dirty="0"/>
-              <a:t>-бот позволяет расширить аудиторию сайта и обеспечивает </a:t>
+              <a:t>-бот позволит расширить аудиторию сайта и обеспечивает </a:t>
             </a:r>
             <a:r>
               <a:rPr lang="ru-RU" dirty="0" err="1"/>
@@ -6331,7 +6335,7 @@
         <p:spPr>
           <a:xfrm>
             <a:off x="758320" y="1311101"/>
-            <a:ext cx="8596668" cy="2810325"/>
+            <a:ext cx="8596668" cy="2996719"/>
           </a:xfrm>
         </p:spPr>
         <p:txBody>
@@ -6361,12 +6365,6 @@
             <a:r>
               <a:rPr lang="ru-RU" dirty="0"/>
               <a:t>Возможность оставлять отзывы на помощников с сортировкой результатов.</a:t>
-            </a:r>
-          </a:p>
-          <a:p>
-            <a:r>
-              <a:rPr lang="ru-RU" dirty="0"/>
-              <a:t>Телеграмм-Бот для привлечения новых пользователей на Сайт.</a:t>
             </a:r>
           </a:p>
           <a:p>
@@ -6381,6 +6379,20 @@
               </a:rPr>
               <a:t>Сохранение в избранное интересующих статей и событий.</a:t>
             </a:r>
+          </a:p>
+          <a:p>
+            <a:r>
+              <a:rPr lang="ru-RU" dirty="0"/>
+              <a:t>Лайки на отзывы и их учет.</a:t>
+            </a:r>
+            <a:endParaRPr lang="ru-RU" dirty="0">
+              <a:solidFill>
+                <a:schemeClr val="tx1">
+                  <a:lumMod val="75000"/>
+                  <a:lumOff val="25000"/>
+                </a:schemeClr>
+              </a:solidFill>
+            </a:endParaRPr>
           </a:p>
           <a:p>
             <a:r>
@@ -6444,7 +6456,7 @@
         </p:nvSpPr>
         <p:spPr>
           <a:xfrm>
-            <a:off x="-250318" y="4253132"/>
+            <a:off x="-170805" y="4015432"/>
             <a:ext cx="7883570" cy="584775"/>
           </a:xfrm>
           <a:prstGeom prst="rect">
@@ -6486,8 +6498,8 @@
         </p:nvSpPr>
         <p:spPr>
           <a:xfrm>
-            <a:off x="677334" y="4837907"/>
-            <a:ext cx="9023257" cy="1585049"/>
+            <a:off x="677334" y="4551755"/>
+            <a:ext cx="9023257" cy="1990288"/>
           </a:xfrm>
           <a:prstGeom prst="rect">
             <a:avLst/>
@@ -6602,15 +6614,8 @@
               <a:buChar char="q"/>
             </a:pPr>
             <a:r>
-              <a:rPr lang="ru-RU" dirty="0">
-                <a:solidFill>
-                  <a:schemeClr val="tx1">
-                    <a:lumMod val="75000"/>
-                    <a:lumOff val="25000"/>
-                  </a:schemeClr>
-                </a:solidFill>
-              </a:rPr>
-              <a:t>Телеграмм-Бот будет дублировать основные функции сайта.</a:t>
+              <a:rPr lang="ru-RU" dirty="0"/>
+              <a:t>Телеграмм-Бот для привлечения новых пользователей на Сайт.</a:t>
             </a:r>
           </a:p>
           <a:p>
@@ -6634,29 +6639,7 @@
                   </a:schemeClr>
                 </a:solidFill>
               </a:rPr>
-              <a:t>Авторизация через социальные сети(</a:t>
-            </a:r>
-            <a:r>
-              <a:rPr lang="en-US" dirty="0">
-                <a:solidFill>
-                  <a:schemeClr val="tx1">
-                    <a:lumMod val="75000"/>
-                    <a:lumOff val="25000"/>
-                  </a:schemeClr>
-                </a:solidFill>
-              </a:rPr>
-              <a:t>Facebook, Twitter, Google</a:t>
-            </a:r>
-            <a:r>
-              <a:rPr lang="ru-RU" dirty="0">
-                <a:solidFill>
-                  <a:schemeClr val="tx1">
-                    <a:lumMod val="75000"/>
-                    <a:lumOff val="25000"/>
-                  </a:schemeClr>
-                </a:solidFill>
-              </a:rPr>
-              <a:t>).</a:t>
+              <a:t> Телеграмм-Бот будет дублировать основные функции сайта.</a:t>
             </a:r>
           </a:p>
           <a:p>
@@ -6680,10 +6663,10 @@
                   </a:schemeClr>
                 </a:solidFill>
               </a:rPr>
-              <a:t>Раздел "Часто задаваемые вопросы" (</a:t>
-            </a:r>
-            <a:r>
-              <a:rPr lang="ru-RU">
+              <a:t>Авторизация через социальные сети(</a:t>
+            </a:r>
+            <a:r>
+              <a:rPr lang="en-US" dirty="0">
                 <a:solidFill>
                   <a:schemeClr val="tx1">
                     <a:lumMod val="75000"/>
@@ -6691,16 +6674,43 @@
                   </a:schemeClr>
                 </a:solidFill>
               </a:rPr>
-              <a:t>FAQ).</a:t>
-            </a:r>
-            <a:endParaRPr lang="ru-RU" dirty="0">
-              <a:solidFill>
-                <a:schemeClr val="tx1">
-                  <a:lumMod val="75000"/>
-                  <a:lumOff val="25000"/>
-                </a:schemeClr>
-              </a:solidFill>
-            </a:endParaRPr>
+              <a:t>Facebook, Twitter, Google</a:t>
+            </a:r>
+            <a:r>
+              <a:rPr lang="ru-RU" dirty="0">
+                <a:solidFill>
+                  <a:schemeClr val="tx1">
+                    <a:lumMod val="75000"/>
+                    <a:lumOff val="25000"/>
+                  </a:schemeClr>
+                </a:solidFill>
+              </a:rPr>
+              <a:t>).</a:t>
+            </a:r>
+          </a:p>
+          <a:p>
+            <a:pPr marL="342900" indent="-342900">
+              <a:spcBef>
+                <a:spcPts val="1000"/>
+              </a:spcBef>
+              <a:buClr>
+                <a:schemeClr val="accent1"/>
+              </a:buClr>
+              <a:buSzPct val="80000"/>
+              <a:buFont typeface="Wingdings" panose="05000000000000000000" pitchFamily="2" charset="2"/>
+              <a:buChar char="q"/>
+            </a:pPr>
+            <a:r>
+              <a:rPr lang="ru-RU" dirty="0">
+                <a:solidFill>
+                  <a:schemeClr val="tx1">
+                    <a:lumMod val="75000"/>
+                    <a:lumOff val="25000"/>
+                  </a:schemeClr>
+                </a:solidFill>
+              </a:rPr>
+              <a:t>Раздел "Часто задаваемые вопросы" (FAQ).</a:t>
+            </a:r>
           </a:p>
         </p:txBody>
       </p:sp>
